--- a/images/trainingschedule.pptx
+++ b/images/trainingschedule.pptx
@@ -286,9 +286,9 @@
           <a:bodyPr/>
           <a:lstStyle/>
           <a:p>
-            <a:fld id="{2578A28A-A9DE-4952-B3C6-E77DF5FDF45C}" type="datetimeFigureOut">
-              <a:rPr lang="en-US" smtClean="0"/>
-              <a:t>3/21/2018</a:t>
+            <a:fld id="{BC88DCFA-FEFF-4307-9D41-A14FFA094A4A}" type="datetimeFigureOut">
+              <a:rPr lang="en-US" smtClean="0"/>
+              <a:t>4/5/2018</a:t>
             </a:fld>
             <a:endParaRPr lang="en-US"/>
           </a:p>
@@ -328,7 +328,7 @@
           <a:bodyPr/>
           <a:lstStyle/>
           <a:p>
-            <a:fld id="{39D62DC3-B4E2-4011-B844-F849C8078D00}" type="slidenum">
+            <a:fld id="{A54742EB-F735-41DC-B234-F76F06EC0E54}" type="slidenum">
               <a:rPr lang="en-US" smtClean="0"/>
               <a:t>‹#›</a:t>
             </a:fld>
@@ -339,7 +339,7 @@
     </p:spTree>
     <p:extLst>
       <p:ext uri="{BB962C8B-B14F-4D97-AF65-F5344CB8AC3E}">
-        <p14:creationId xmlns:p14="http://schemas.microsoft.com/office/powerpoint/2010/main" val="1432190270"/>
+        <p14:creationId xmlns:p14="http://schemas.microsoft.com/office/powerpoint/2010/main" val="988425008"/>
       </p:ext>
     </p:extLst>
   </p:cSld>
@@ -456,9 +456,9 @@
           <a:bodyPr/>
           <a:lstStyle/>
           <a:p>
-            <a:fld id="{2578A28A-A9DE-4952-B3C6-E77DF5FDF45C}" type="datetimeFigureOut">
-              <a:rPr lang="en-US" smtClean="0"/>
-              <a:t>3/21/2018</a:t>
+            <a:fld id="{BC88DCFA-FEFF-4307-9D41-A14FFA094A4A}" type="datetimeFigureOut">
+              <a:rPr lang="en-US" smtClean="0"/>
+              <a:t>4/5/2018</a:t>
             </a:fld>
             <a:endParaRPr lang="en-US"/>
           </a:p>
@@ -498,7 +498,7 @@
           <a:bodyPr/>
           <a:lstStyle/>
           <a:p>
-            <a:fld id="{39D62DC3-B4E2-4011-B844-F849C8078D00}" type="slidenum">
+            <a:fld id="{A54742EB-F735-41DC-B234-F76F06EC0E54}" type="slidenum">
               <a:rPr lang="en-US" smtClean="0"/>
               <a:t>‹#›</a:t>
             </a:fld>
@@ -509,7 +509,7 @@
     </p:spTree>
     <p:extLst>
       <p:ext uri="{BB962C8B-B14F-4D97-AF65-F5344CB8AC3E}">
-        <p14:creationId xmlns:p14="http://schemas.microsoft.com/office/powerpoint/2010/main" val="2393524167"/>
+        <p14:creationId xmlns:p14="http://schemas.microsoft.com/office/powerpoint/2010/main" val="3011723091"/>
       </p:ext>
     </p:extLst>
   </p:cSld>
@@ -636,9 +636,9 @@
           <a:bodyPr/>
           <a:lstStyle/>
           <a:p>
-            <a:fld id="{2578A28A-A9DE-4952-B3C6-E77DF5FDF45C}" type="datetimeFigureOut">
-              <a:rPr lang="en-US" smtClean="0"/>
-              <a:t>3/21/2018</a:t>
+            <a:fld id="{BC88DCFA-FEFF-4307-9D41-A14FFA094A4A}" type="datetimeFigureOut">
+              <a:rPr lang="en-US" smtClean="0"/>
+              <a:t>4/5/2018</a:t>
             </a:fld>
             <a:endParaRPr lang="en-US"/>
           </a:p>
@@ -678,7 +678,7 @@
           <a:bodyPr/>
           <a:lstStyle/>
           <a:p>
-            <a:fld id="{39D62DC3-B4E2-4011-B844-F849C8078D00}" type="slidenum">
+            <a:fld id="{A54742EB-F735-41DC-B234-F76F06EC0E54}" type="slidenum">
               <a:rPr lang="en-US" smtClean="0"/>
               <a:t>‹#›</a:t>
             </a:fld>
@@ -689,7 +689,7 @@
     </p:spTree>
     <p:extLst>
       <p:ext uri="{BB962C8B-B14F-4D97-AF65-F5344CB8AC3E}">
-        <p14:creationId xmlns:p14="http://schemas.microsoft.com/office/powerpoint/2010/main" val="3031699681"/>
+        <p14:creationId xmlns:p14="http://schemas.microsoft.com/office/powerpoint/2010/main" val="905484103"/>
       </p:ext>
     </p:extLst>
   </p:cSld>
@@ -806,9 +806,9 @@
           <a:bodyPr/>
           <a:lstStyle/>
           <a:p>
-            <a:fld id="{2578A28A-A9DE-4952-B3C6-E77DF5FDF45C}" type="datetimeFigureOut">
-              <a:rPr lang="en-US" smtClean="0"/>
-              <a:t>3/21/2018</a:t>
+            <a:fld id="{BC88DCFA-FEFF-4307-9D41-A14FFA094A4A}" type="datetimeFigureOut">
+              <a:rPr lang="en-US" smtClean="0"/>
+              <a:t>4/5/2018</a:t>
             </a:fld>
             <a:endParaRPr lang="en-US"/>
           </a:p>
@@ -848,7 +848,7 @@
           <a:bodyPr/>
           <a:lstStyle/>
           <a:p>
-            <a:fld id="{39D62DC3-B4E2-4011-B844-F849C8078D00}" type="slidenum">
+            <a:fld id="{A54742EB-F735-41DC-B234-F76F06EC0E54}" type="slidenum">
               <a:rPr lang="en-US" smtClean="0"/>
               <a:t>‹#›</a:t>
             </a:fld>
@@ -859,7 +859,7 @@
     </p:spTree>
     <p:extLst>
       <p:ext uri="{BB962C8B-B14F-4D97-AF65-F5344CB8AC3E}">
-        <p14:creationId xmlns:p14="http://schemas.microsoft.com/office/powerpoint/2010/main" val="2007275138"/>
+        <p14:creationId xmlns:p14="http://schemas.microsoft.com/office/powerpoint/2010/main" val="2524884057"/>
       </p:ext>
     </p:extLst>
   </p:cSld>
@@ -1052,9 +1052,9 @@
           <a:bodyPr/>
           <a:lstStyle/>
           <a:p>
-            <a:fld id="{2578A28A-A9DE-4952-B3C6-E77DF5FDF45C}" type="datetimeFigureOut">
-              <a:rPr lang="en-US" smtClean="0"/>
-              <a:t>3/21/2018</a:t>
+            <a:fld id="{BC88DCFA-FEFF-4307-9D41-A14FFA094A4A}" type="datetimeFigureOut">
+              <a:rPr lang="en-US" smtClean="0"/>
+              <a:t>4/5/2018</a:t>
             </a:fld>
             <a:endParaRPr lang="en-US"/>
           </a:p>
@@ -1094,7 +1094,7 @@
           <a:bodyPr/>
           <a:lstStyle/>
           <a:p>
-            <a:fld id="{39D62DC3-B4E2-4011-B844-F849C8078D00}" type="slidenum">
+            <a:fld id="{A54742EB-F735-41DC-B234-F76F06EC0E54}" type="slidenum">
               <a:rPr lang="en-US" smtClean="0"/>
               <a:t>‹#›</a:t>
             </a:fld>
@@ -1105,7 +1105,7 @@
     </p:spTree>
     <p:extLst>
       <p:ext uri="{BB962C8B-B14F-4D97-AF65-F5344CB8AC3E}">
-        <p14:creationId xmlns:p14="http://schemas.microsoft.com/office/powerpoint/2010/main" val="1810107352"/>
+        <p14:creationId xmlns:p14="http://schemas.microsoft.com/office/powerpoint/2010/main" val="156648054"/>
       </p:ext>
     </p:extLst>
   </p:cSld>
@@ -1340,9 +1340,9 @@
           <a:bodyPr/>
           <a:lstStyle/>
           <a:p>
-            <a:fld id="{2578A28A-A9DE-4952-B3C6-E77DF5FDF45C}" type="datetimeFigureOut">
-              <a:rPr lang="en-US" smtClean="0"/>
-              <a:t>3/21/2018</a:t>
+            <a:fld id="{BC88DCFA-FEFF-4307-9D41-A14FFA094A4A}" type="datetimeFigureOut">
+              <a:rPr lang="en-US" smtClean="0"/>
+              <a:t>4/5/2018</a:t>
             </a:fld>
             <a:endParaRPr lang="en-US"/>
           </a:p>
@@ -1382,7 +1382,7 @@
           <a:bodyPr/>
           <a:lstStyle/>
           <a:p>
-            <a:fld id="{39D62DC3-B4E2-4011-B844-F849C8078D00}" type="slidenum">
+            <a:fld id="{A54742EB-F735-41DC-B234-F76F06EC0E54}" type="slidenum">
               <a:rPr lang="en-US" smtClean="0"/>
               <a:t>‹#›</a:t>
             </a:fld>
@@ -1393,7 +1393,7 @@
     </p:spTree>
     <p:extLst>
       <p:ext uri="{BB962C8B-B14F-4D97-AF65-F5344CB8AC3E}">
-        <p14:creationId xmlns:p14="http://schemas.microsoft.com/office/powerpoint/2010/main" val="523981220"/>
+        <p14:creationId xmlns:p14="http://schemas.microsoft.com/office/powerpoint/2010/main" val="3657451515"/>
       </p:ext>
     </p:extLst>
   </p:cSld>
@@ -1762,9 +1762,9 @@
           <a:bodyPr/>
           <a:lstStyle/>
           <a:p>
-            <a:fld id="{2578A28A-A9DE-4952-B3C6-E77DF5FDF45C}" type="datetimeFigureOut">
-              <a:rPr lang="en-US" smtClean="0"/>
-              <a:t>3/21/2018</a:t>
+            <a:fld id="{BC88DCFA-FEFF-4307-9D41-A14FFA094A4A}" type="datetimeFigureOut">
+              <a:rPr lang="en-US" smtClean="0"/>
+              <a:t>4/5/2018</a:t>
             </a:fld>
             <a:endParaRPr lang="en-US"/>
           </a:p>
@@ -1804,7 +1804,7 @@
           <a:bodyPr/>
           <a:lstStyle/>
           <a:p>
-            <a:fld id="{39D62DC3-B4E2-4011-B844-F849C8078D00}" type="slidenum">
+            <a:fld id="{A54742EB-F735-41DC-B234-F76F06EC0E54}" type="slidenum">
               <a:rPr lang="en-US" smtClean="0"/>
               <a:t>‹#›</a:t>
             </a:fld>
@@ -1815,7 +1815,7 @@
     </p:spTree>
     <p:extLst>
       <p:ext uri="{BB962C8B-B14F-4D97-AF65-F5344CB8AC3E}">
-        <p14:creationId xmlns:p14="http://schemas.microsoft.com/office/powerpoint/2010/main" val="2323971939"/>
+        <p14:creationId xmlns:p14="http://schemas.microsoft.com/office/powerpoint/2010/main" val="3088318399"/>
       </p:ext>
     </p:extLst>
   </p:cSld>
@@ -1880,9 +1880,9 @@
           <a:bodyPr/>
           <a:lstStyle/>
           <a:p>
-            <a:fld id="{2578A28A-A9DE-4952-B3C6-E77DF5FDF45C}" type="datetimeFigureOut">
-              <a:rPr lang="en-US" smtClean="0"/>
-              <a:t>3/21/2018</a:t>
+            <a:fld id="{BC88DCFA-FEFF-4307-9D41-A14FFA094A4A}" type="datetimeFigureOut">
+              <a:rPr lang="en-US" smtClean="0"/>
+              <a:t>4/5/2018</a:t>
             </a:fld>
             <a:endParaRPr lang="en-US"/>
           </a:p>
@@ -1922,7 +1922,7 @@
           <a:bodyPr/>
           <a:lstStyle/>
           <a:p>
-            <a:fld id="{39D62DC3-B4E2-4011-B844-F849C8078D00}" type="slidenum">
+            <a:fld id="{A54742EB-F735-41DC-B234-F76F06EC0E54}" type="slidenum">
               <a:rPr lang="en-US" smtClean="0"/>
               <a:t>‹#›</a:t>
             </a:fld>
@@ -1933,7 +1933,7 @@
     </p:spTree>
     <p:extLst>
       <p:ext uri="{BB962C8B-B14F-4D97-AF65-F5344CB8AC3E}">
-        <p14:creationId xmlns:p14="http://schemas.microsoft.com/office/powerpoint/2010/main" val="1198754466"/>
+        <p14:creationId xmlns:p14="http://schemas.microsoft.com/office/powerpoint/2010/main" val="431942789"/>
       </p:ext>
     </p:extLst>
   </p:cSld>
@@ -1975,9 +1975,9 @@
           <a:bodyPr/>
           <a:lstStyle/>
           <a:p>
-            <a:fld id="{2578A28A-A9DE-4952-B3C6-E77DF5FDF45C}" type="datetimeFigureOut">
-              <a:rPr lang="en-US" smtClean="0"/>
-              <a:t>3/21/2018</a:t>
+            <a:fld id="{BC88DCFA-FEFF-4307-9D41-A14FFA094A4A}" type="datetimeFigureOut">
+              <a:rPr lang="en-US" smtClean="0"/>
+              <a:t>4/5/2018</a:t>
             </a:fld>
             <a:endParaRPr lang="en-US"/>
           </a:p>
@@ -2017,7 +2017,7 @@
           <a:bodyPr/>
           <a:lstStyle/>
           <a:p>
-            <a:fld id="{39D62DC3-B4E2-4011-B844-F849C8078D00}" type="slidenum">
+            <a:fld id="{A54742EB-F735-41DC-B234-F76F06EC0E54}" type="slidenum">
               <a:rPr lang="en-US" smtClean="0"/>
               <a:t>‹#›</a:t>
             </a:fld>
@@ -2028,7 +2028,7 @@
     </p:spTree>
     <p:extLst>
       <p:ext uri="{BB962C8B-B14F-4D97-AF65-F5344CB8AC3E}">
-        <p14:creationId xmlns:p14="http://schemas.microsoft.com/office/powerpoint/2010/main" val="1932701450"/>
+        <p14:creationId xmlns:p14="http://schemas.microsoft.com/office/powerpoint/2010/main" val="2063458379"/>
       </p:ext>
     </p:extLst>
   </p:cSld>
@@ -2252,9 +2252,9 @@
           <a:bodyPr/>
           <a:lstStyle/>
           <a:p>
-            <a:fld id="{2578A28A-A9DE-4952-B3C6-E77DF5FDF45C}" type="datetimeFigureOut">
-              <a:rPr lang="en-US" smtClean="0"/>
-              <a:t>3/21/2018</a:t>
+            <a:fld id="{BC88DCFA-FEFF-4307-9D41-A14FFA094A4A}" type="datetimeFigureOut">
+              <a:rPr lang="en-US" smtClean="0"/>
+              <a:t>4/5/2018</a:t>
             </a:fld>
             <a:endParaRPr lang="en-US"/>
           </a:p>
@@ -2294,7 +2294,7 @@
           <a:bodyPr/>
           <a:lstStyle/>
           <a:p>
-            <a:fld id="{39D62DC3-B4E2-4011-B844-F849C8078D00}" type="slidenum">
+            <a:fld id="{A54742EB-F735-41DC-B234-F76F06EC0E54}" type="slidenum">
               <a:rPr lang="en-US" smtClean="0"/>
               <a:t>‹#›</a:t>
             </a:fld>
@@ -2305,7 +2305,7 @@
     </p:spTree>
     <p:extLst>
       <p:ext uri="{BB962C8B-B14F-4D97-AF65-F5344CB8AC3E}">
-        <p14:creationId xmlns:p14="http://schemas.microsoft.com/office/powerpoint/2010/main" val="3492011810"/>
+        <p14:creationId xmlns:p14="http://schemas.microsoft.com/office/powerpoint/2010/main" val="1524650212"/>
       </p:ext>
     </p:extLst>
   </p:cSld>
@@ -2505,9 +2505,9 @@
           <a:bodyPr/>
           <a:lstStyle/>
           <a:p>
-            <a:fld id="{2578A28A-A9DE-4952-B3C6-E77DF5FDF45C}" type="datetimeFigureOut">
-              <a:rPr lang="en-US" smtClean="0"/>
-              <a:t>3/21/2018</a:t>
+            <a:fld id="{BC88DCFA-FEFF-4307-9D41-A14FFA094A4A}" type="datetimeFigureOut">
+              <a:rPr lang="en-US" smtClean="0"/>
+              <a:t>4/5/2018</a:t>
             </a:fld>
             <a:endParaRPr lang="en-US"/>
           </a:p>
@@ -2547,7 +2547,7 @@
           <a:bodyPr/>
           <a:lstStyle/>
           <a:p>
-            <a:fld id="{39D62DC3-B4E2-4011-B844-F849C8078D00}" type="slidenum">
+            <a:fld id="{A54742EB-F735-41DC-B234-F76F06EC0E54}" type="slidenum">
               <a:rPr lang="en-US" smtClean="0"/>
               <a:t>‹#›</a:t>
             </a:fld>
@@ -2558,7 +2558,7 @@
     </p:spTree>
     <p:extLst>
       <p:ext uri="{BB962C8B-B14F-4D97-AF65-F5344CB8AC3E}">
-        <p14:creationId xmlns:p14="http://schemas.microsoft.com/office/powerpoint/2010/main" val="3768579222"/>
+        <p14:creationId xmlns:p14="http://schemas.microsoft.com/office/powerpoint/2010/main" val="2619270013"/>
       </p:ext>
     </p:extLst>
   </p:cSld>
@@ -2718,9 +2718,9 @@
             </a:lvl1pPr>
           </a:lstStyle>
           <a:p>
-            <a:fld id="{2578A28A-A9DE-4952-B3C6-E77DF5FDF45C}" type="datetimeFigureOut">
-              <a:rPr lang="en-US" smtClean="0"/>
-              <a:t>3/21/2018</a:t>
+            <a:fld id="{BC88DCFA-FEFF-4307-9D41-A14FFA094A4A}" type="datetimeFigureOut">
+              <a:rPr lang="en-US" smtClean="0"/>
+              <a:t>4/5/2018</a:t>
             </a:fld>
             <a:endParaRPr lang="en-US"/>
           </a:p>
@@ -2796,7 +2796,7 @@
             </a:lvl1pPr>
           </a:lstStyle>
           <a:p>
-            <a:fld id="{39D62DC3-B4E2-4011-B844-F849C8078D00}" type="slidenum">
+            <a:fld id="{A54742EB-F735-41DC-B234-F76F06EC0E54}" type="slidenum">
               <a:rPr lang="en-US" smtClean="0"/>
               <a:t>‹#›</a:t>
             </a:fld>
@@ -2807,7 +2807,7 @@
     </p:spTree>
     <p:extLst>
       <p:ext uri="{BB962C8B-B14F-4D97-AF65-F5344CB8AC3E}">
-        <p14:creationId xmlns:p14="http://schemas.microsoft.com/office/powerpoint/2010/main" val="2146639442"/>
+        <p14:creationId xmlns:p14="http://schemas.microsoft.com/office/powerpoint/2010/main" val="32790124"/>
       </p:ext>
     </p:extLst>
   </p:cSld>
@@ -3097,7 +3097,7 @@
       </p:grpSpPr>
       <p:pic>
         <p:nvPicPr>
-          <p:cNvPr id="1026" name="Picture 2"/>
+          <p:cNvPr id="1025" name="Picture 1"/>
           <p:cNvPicPr>
             <a:picLocks noChangeAspect="1" noChangeArrowheads="1"/>
           </p:cNvPicPr>
@@ -3162,7 +3162,7 @@
     </p:spTree>
     <p:extLst>
       <p:ext uri="{BB962C8B-B14F-4D97-AF65-F5344CB8AC3E}">
-        <p14:creationId xmlns:p14="http://schemas.microsoft.com/office/powerpoint/2010/main" val="2999582941"/>
+        <p14:creationId xmlns:p14="http://schemas.microsoft.com/office/powerpoint/2010/main" val="1665224915"/>
       </p:ext>
     </p:extLst>
   </p:cSld>

--- a/images/trainingschedule.pptx
+++ b/images/trainingschedule.pptx
@@ -3097,7 +3097,7 @@
       </p:grpSpPr>
       <p:pic>
         <p:nvPicPr>
-          <p:cNvPr id="1025" name="Picture 1"/>
+          <p:cNvPr id="3" name="Picture 1"/>
           <p:cNvPicPr>
             <a:picLocks noChangeAspect="1" noChangeArrowheads="1"/>
           </p:cNvPicPr>

--- a/images/trainingschedule.pptx
+++ b/images/trainingschedule.pptx
@@ -288,7 +288,7 @@
           <a:p>
             <a:fld id="{BC88DCFA-FEFF-4307-9D41-A14FFA094A4A}" type="datetimeFigureOut">
               <a:rPr lang="en-US" smtClean="0"/>
-              <a:t>4/5/2018</a:t>
+              <a:t>4/7/2018</a:t>
             </a:fld>
             <a:endParaRPr lang="en-US"/>
           </a:p>
@@ -458,7 +458,7 @@
           <a:p>
             <a:fld id="{BC88DCFA-FEFF-4307-9D41-A14FFA094A4A}" type="datetimeFigureOut">
               <a:rPr lang="en-US" smtClean="0"/>
-              <a:t>4/5/2018</a:t>
+              <a:t>4/7/2018</a:t>
             </a:fld>
             <a:endParaRPr lang="en-US"/>
           </a:p>
@@ -638,7 +638,7 @@
           <a:p>
             <a:fld id="{BC88DCFA-FEFF-4307-9D41-A14FFA094A4A}" type="datetimeFigureOut">
               <a:rPr lang="en-US" smtClean="0"/>
-              <a:t>4/5/2018</a:t>
+              <a:t>4/7/2018</a:t>
             </a:fld>
             <a:endParaRPr lang="en-US"/>
           </a:p>
@@ -808,7 +808,7 @@
           <a:p>
             <a:fld id="{BC88DCFA-FEFF-4307-9D41-A14FFA094A4A}" type="datetimeFigureOut">
               <a:rPr lang="en-US" smtClean="0"/>
-              <a:t>4/5/2018</a:t>
+              <a:t>4/7/2018</a:t>
             </a:fld>
             <a:endParaRPr lang="en-US"/>
           </a:p>
@@ -1054,7 +1054,7 @@
           <a:p>
             <a:fld id="{BC88DCFA-FEFF-4307-9D41-A14FFA094A4A}" type="datetimeFigureOut">
               <a:rPr lang="en-US" smtClean="0"/>
-              <a:t>4/5/2018</a:t>
+              <a:t>4/7/2018</a:t>
             </a:fld>
             <a:endParaRPr lang="en-US"/>
           </a:p>
@@ -1342,7 +1342,7 @@
           <a:p>
             <a:fld id="{BC88DCFA-FEFF-4307-9D41-A14FFA094A4A}" type="datetimeFigureOut">
               <a:rPr lang="en-US" smtClean="0"/>
-              <a:t>4/5/2018</a:t>
+              <a:t>4/7/2018</a:t>
             </a:fld>
             <a:endParaRPr lang="en-US"/>
           </a:p>
@@ -1764,7 +1764,7 @@
           <a:p>
             <a:fld id="{BC88DCFA-FEFF-4307-9D41-A14FFA094A4A}" type="datetimeFigureOut">
               <a:rPr lang="en-US" smtClean="0"/>
-              <a:t>4/5/2018</a:t>
+              <a:t>4/7/2018</a:t>
             </a:fld>
             <a:endParaRPr lang="en-US"/>
           </a:p>
@@ -1882,7 +1882,7 @@
           <a:p>
             <a:fld id="{BC88DCFA-FEFF-4307-9D41-A14FFA094A4A}" type="datetimeFigureOut">
               <a:rPr lang="en-US" smtClean="0"/>
-              <a:t>4/5/2018</a:t>
+              <a:t>4/7/2018</a:t>
             </a:fld>
             <a:endParaRPr lang="en-US"/>
           </a:p>
@@ -1977,7 +1977,7 @@
           <a:p>
             <a:fld id="{BC88DCFA-FEFF-4307-9D41-A14FFA094A4A}" type="datetimeFigureOut">
               <a:rPr lang="en-US" smtClean="0"/>
-              <a:t>4/5/2018</a:t>
+              <a:t>4/7/2018</a:t>
             </a:fld>
             <a:endParaRPr lang="en-US"/>
           </a:p>
@@ -2254,7 +2254,7 @@
           <a:p>
             <a:fld id="{BC88DCFA-FEFF-4307-9D41-A14FFA094A4A}" type="datetimeFigureOut">
               <a:rPr lang="en-US" smtClean="0"/>
-              <a:t>4/5/2018</a:t>
+              <a:t>4/7/2018</a:t>
             </a:fld>
             <a:endParaRPr lang="en-US"/>
           </a:p>
@@ -2507,7 +2507,7 @@
           <a:p>
             <a:fld id="{BC88DCFA-FEFF-4307-9D41-A14FFA094A4A}" type="datetimeFigureOut">
               <a:rPr lang="en-US" smtClean="0"/>
-              <a:t>4/5/2018</a:t>
+              <a:t>4/7/2018</a:t>
             </a:fld>
             <a:endParaRPr lang="en-US"/>
           </a:p>
@@ -2720,7 +2720,7 @@
           <a:p>
             <a:fld id="{BC88DCFA-FEFF-4307-9D41-A14FFA094A4A}" type="datetimeFigureOut">
               <a:rPr lang="en-US" smtClean="0"/>
-              <a:t>4/5/2018</a:t>
+              <a:t>4/7/2018</a:t>
             </a:fld>
             <a:endParaRPr lang="en-US"/>
           </a:p>
@@ -3097,7 +3097,7 @@
       </p:grpSpPr>
       <p:pic>
         <p:nvPicPr>
-          <p:cNvPr id="3" name="Picture 1"/>
+          <p:cNvPr id="1025" name="Picture 1"/>
           <p:cNvPicPr>
             <a:picLocks noChangeAspect="1" noChangeArrowheads="1"/>
           </p:cNvPicPr>
